--- a/문서/화면 설계서 정의/수정본헤더로그아웃시.pptx
+++ b/문서/화면 설계서 정의/수정본헤더로그아웃시.pptx
@@ -4090,152 +4090,6 @@
       </p:sp>
       <p:sp>
         <p:nvSpPr>
-          <p:cNvPr id="27" name="직사각형 26">
-            <a:extLst>
-              <a:ext uri="{FF2B5EF4-FFF2-40B4-BE49-F238E27FC236}">
-                <a16:creationId xmlns:a16="http://schemas.microsoft.com/office/drawing/2014/main" id="{821581FD-5F16-C91D-FCAA-ED8DBB2CBD99}"/>
-              </a:ext>
-            </a:extLst>
-          </p:cNvPr>
-          <p:cNvSpPr/>
-          <p:nvPr/>
-        </p:nvSpPr>
-        <p:spPr>
-          <a:xfrm>
-            <a:off x="388458" y="2300108"/>
-            <a:ext cx="4627748" cy="538413"/>
-          </a:xfrm>
-          <a:prstGeom prst="rect">
-            <a:avLst/>
-          </a:prstGeom>
-          <a:solidFill>
-            <a:schemeClr val="accent4"/>
-          </a:solidFill>
-          <a:ln>
-            <a:solidFill>
-              <a:schemeClr val="tx1"/>
-            </a:solidFill>
-          </a:ln>
-        </p:spPr>
-        <p:style>
-          <a:lnRef idx="0">
-            <a:scrgbClr r="0" g="0" b="0"/>
-          </a:lnRef>
-          <a:fillRef idx="0">
-            <a:scrgbClr r="0" g="0" b="0"/>
-          </a:fillRef>
-          <a:effectRef idx="0">
-            <a:scrgbClr r="0" g="0" b="0"/>
-          </a:effectRef>
-          <a:fontRef idx="minor">
-            <a:schemeClr val="lt1"/>
-          </a:fontRef>
-        </p:style>
-        <p:txBody>
-          <a:bodyPr rtlCol="0" anchor="ctr"/>
-          <a:lstStyle/>
-          <a:p>
-            <a:pPr algn="ctr"/>
-            <a:r>
-              <a:rPr lang="en-US" altLang="ko-KR"/>
-              <a:t>   </a:t>
-            </a:r>
-            <a:endParaRPr lang="ko-KR" altLang="en-US"/>
-          </a:p>
-        </p:txBody>
-      </p:sp>
-      <p:sp>
-        <p:nvSpPr>
-          <p:cNvPr id="31" name="직사각형 30">
-            <a:extLst>
-              <a:ext uri="{FF2B5EF4-FFF2-40B4-BE49-F238E27FC236}">
-                <a16:creationId xmlns:a16="http://schemas.microsoft.com/office/drawing/2014/main" id="{D5B38C2A-80CC-8A85-D85F-B1966B03F064}"/>
-              </a:ext>
-            </a:extLst>
-          </p:cNvPr>
-          <p:cNvSpPr/>
-          <p:nvPr/>
-        </p:nvSpPr>
-        <p:spPr>
-          <a:xfrm>
-            <a:off x="4458467" y="2332565"/>
-            <a:ext cx="460724" cy="383820"/>
-          </a:xfrm>
-          <a:prstGeom prst="rect">
-            <a:avLst/>
-          </a:prstGeom>
-          <a:solidFill>
-            <a:schemeClr val="accent4"/>
-          </a:solidFill>
-          <a:ln>
-            <a:noFill/>
-          </a:ln>
-        </p:spPr>
-        <p:style>
-          <a:lnRef idx="0">
-            <a:scrgbClr r="0" g="0" b="0"/>
-          </a:lnRef>
-          <a:fillRef idx="0">
-            <a:scrgbClr r="0" g="0" b="0"/>
-          </a:fillRef>
-          <a:effectRef idx="0">
-            <a:scrgbClr r="0" g="0" b="0"/>
-          </a:effectRef>
-          <a:fontRef idx="minor">
-            <a:schemeClr val="lt1"/>
-          </a:fontRef>
-        </p:style>
-        <p:txBody>
-          <a:bodyPr rtlCol="0" anchor="ctr"/>
-          <a:lstStyle/>
-          <a:p>
-            <a:pPr algn="ctr"/>
-            <a:r>
-              <a:rPr lang="en-US" altLang="ko-KR"/>
-              <a:t>  </a:t>
-            </a:r>
-            <a:endParaRPr lang="ko-KR" altLang="en-US"/>
-          </a:p>
-        </p:txBody>
-      </p:sp>
-      <p:pic>
-        <p:nvPicPr>
-          <p:cNvPr id="32" name="그래픽 31" descr="닫기">
-            <a:extLst>
-              <a:ext uri="{FF2B5EF4-FFF2-40B4-BE49-F238E27FC236}">
-                <a16:creationId xmlns:a16="http://schemas.microsoft.com/office/drawing/2014/main" id="{A8DC0B9C-A0E5-95B1-B49C-C673043A815E}"/>
-              </a:ext>
-            </a:extLst>
-          </p:cNvPr>
-          <p:cNvPicPr>
-            <a:picLocks noChangeAspect="1"/>
-          </p:cNvPicPr>
-          <p:nvPr/>
-        </p:nvPicPr>
-        <p:blipFill>
-          <a:blip r:embed="rId2">
-            <a:extLst>
-              <a:ext uri="{96DAC541-7B7A-43D3-8B79-37D633B846F1}">
-                <asvg:svgBlip xmlns:asvg="http://schemas.microsoft.com/office/drawing/2016/SVG/main" r:embed="rId3"/>
-              </a:ext>
-            </a:extLst>
-          </a:blip>
-          <a:stretch>
-            <a:fillRect/>
-          </a:stretch>
-        </p:blipFill>
-        <p:spPr>
-          <a:xfrm>
-            <a:off x="4541012" y="2332566"/>
-            <a:ext cx="378178" cy="383820"/>
-          </a:xfrm>
-          <a:prstGeom prst="rect">
-            <a:avLst/>
-          </a:prstGeom>
-        </p:spPr>
-      </p:pic>
-      <p:sp>
-        <p:nvSpPr>
           <p:cNvPr id="37" name="직사각형 36">
             <a:extLst>
               <a:ext uri="{FF2B5EF4-FFF2-40B4-BE49-F238E27FC236}">
